--- a/doc/license handling.pptx
+++ b/doc/license handling.pptx
@@ -5,10 +5,11 @@
     <p:sldMasterId id="2147483648" r:id="rId1"/>
   </p:sldMasterIdLst>
   <p:notesMasterIdLst>
-    <p:notesMasterId r:id="rId3"/>
+    <p:notesMasterId r:id="rId4"/>
   </p:notesMasterIdLst>
   <p:sldIdLst>
     <p:sldId id="256" r:id="rId2"/>
+    <p:sldId id="257" r:id="rId3"/>
   </p:sldIdLst>
   <p:sldSz cx="12192000" cy="6858000"/>
   <p:notesSz cx="6858000" cy="9144000"/>
@@ -107,6 +108,11 @@
       </a:defRPr>
     </a:lvl9pPr>
   </p:defaultTextStyle>
+  <p:extLst>
+    <p:ext uri="{EFAFB233-063F-42B5-8137-9DF3F51BA10A}">
+      <p15:sldGuideLst xmlns:p15="http://schemas.microsoft.com/office/powerpoint/2012/main"/>
+    </p:ext>
+  </p:extLst>
 </p:presentation>
 </file>
 
@@ -538,6 +544,90 @@
     <p:extLst>
       <p:ext uri="{BB962C8B-B14F-4D97-AF65-F5344CB8AC3E}">
         <p14:creationId xmlns:p14="http://schemas.microsoft.com/office/powerpoint/2010/main" val="3563830719"/>
+      </p:ext>
+    </p:extLst>
+  </p:cSld>
+  <p:clrMapOvr>
+    <a:masterClrMapping/>
+  </p:clrMapOvr>
+</p:notes>
+</file>
+
+<file path=ppt/notesSlides/notesSlide2.xml><?xml version="1.0" encoding="utf-8"?>
+<p:notes xmlns:a="http://schemas.openxmlformats.org/drawingml/2006/main" xmlns:r="http://schemas.openxmlformats.org/officeDocument/2006/relationships" xmlns:p="http://schemas.openxmlformats.org/presentationml/2006/main">
+  <p:cSld>
+    <p:spTree>
+      <p:nvGrpSpPr>
+        <p:cNvPr id="1" name=""/>
+        <p:cNvGrpSpPr/>
+        <p:nvPr/>
+      </p:nvGrpSpPr>
+      <p:grpSpPr>
+        <a:xfrm>
+          <a:off x="0" y="0"/>
+          <a:ext cx="0" cy="0"/>
+          <a:chOff x="0" y="0"/>
+          <a:chExt cx="0" cy="0"/>
+        </a:xfrm>
+      </p:grpSpPr>
+      <p:sp>
+        <p:nvSpPr>
+          <p:cNvPr id="2" name="Slide Image Placeholder 1"/>
+          <p:cNvSpPr>
+            <a:spLocks noGrp="1" noRot="1" noChangeAspect="1"/>
+          </p:cNvSpPr>
+          <p:nvPr>
+            <p:ph type="sldImg"/>
+          </p:nvPr>
+        </p:nvSpPr>
+        <p:spPr/>
+      </p:sp>
+      <p:sp>
+        <p:nvSpPr>
+          <p:cNvPr id="3" name="Notes Placeholder 2"/>
+          <p:cNvSpPr>
+            <a:spLocks noGrp="1"/>
+          </p:cNvSpPr>
+          <p:nvPr>
+            <p:ph type="body" idx="1"/>
+          </p:nvPr>
+        </p:nvSpPr>
+        <p:spPr/>
+        <p:txBody>
+          <a:bodyPr/>
+          <a:lstStyle/>
+          <a:p>
+            <a:endParaRPr lang="en-US"/>
+          </a:p>
+        </p:txBody>
+      </p:sp>
+      <p:sp>
+        <p:nvSpPr>
+          <p:cNvPr id="4" name="Slide Number Placeholder 3"/>
+          <p:cNvSpPr>
+            <a:spLocks noGrp="1"/>
+          </p:cNvSpPr>
+          <p:nvPr>
+            <p:ph type="sldNum" sz="quarter" idx="10"/>
+          </p:nvPr>
+        </p:nvSpPr>
+        <p:spPr/>
+        <p:txBody>
+          <a:bodyPr/>
+          <a:lstStyle/>
+          <a:p>
+            <a:fld id="{3A8CB367-7462-4F1B-8441-8DF2744B3398}" type="slidenum">
+              <a:rPr lang="en-US" smtClean="0"/>
+              <a:t>2</a:t>
+            </a:fld>
+            <a:endParaRPr lang="en-US"/>
+          </a:p>
+        </p:txBody>
+      </p:sp>
+    </p:spTree>
+    <p:extLst>
+      <p:ext uri="{BB962C8B-B14F-4D97-AF65-F5344CB8AC3E}">
+        <p14:creationId xmlns:p14="http://schemas.microsoft.com/office/powerpoint/2010/main" val="1485093008"/>
       </p:ext>
     </p:extLst>
   </p:cSld>
@@ -5985,6 +6075,206 @@
     <p:extLst>
       <p:ext uri="{BB962C8B-B14F-4D97-AF65-F5344CB8AC3E}">
         <p14:creationId xmlns:p14="http://schemas.microsoft.com/office/powerpoint/2010/main" val="3836281192"/>
+      </p:ext>
+    </p:extLst>
+  </p:cSld>
+  <p:clrMapOvr>
+    <a:masterClrMapping/>
+  </p:clrMapOvr>
+</p:sld>
+</file>
+
+<file path=ppt/slides/slide2.xml><?xml version="1.0" encoding="utf-8"?>
+<p:sld xmlns:a="http://schemas.openxmlformats.org/drawingml/2006/main" xmlns:r="http://schemas.openxmlformats.org/officeDocument/2006/relationships" xmlns:p="http://schemas.openxmlformats.org/presentationml/2006/main">
+  <p:cSld>
+    <p:spTree>
+      <p:nvGrpSpPr>
+        <p:cNvPr id="1" name=""/>
+        <p:cNvGrpSpPr/>
+        <p:nvPr/>
+      </p:nvGrpSpPr>
+      <p:grpSpPr>
+        <a:xfrm>
+          <a:off x="0" y="0"/>
+          <a:ext cx="0" cy="0"/>
+          <a:chOff x="0" y="0"/>
+          <a:chExt cx="0" cy="0"/>
+        </a:xfrm>
+      </p:grpSpPr>
+      <p:sp>
+        <p:nvSpPr>
+          <p:cNvPr id="2" name="Rectangle 1">
+            <a:extLst>
+              <a:ext uri="{FF2B5EF4-FFF2-40B4-BE49-F238E27FC236}">
+                <a16:creationId xmlns:a16="http://schemas.microsoft.com/office/drawing/2014/main" id="{C982CFA7-72B5-40DC-8A08-73281B294525}"/>
+              </a:ext>
+            </a:extLst>
+          </p:cNvPr>
+          <p:cNvSpPr/>
+          <p:nvPr/>
+        </p:nvSpPr>
+        <p:spPr>
+          <a:xfrm>
+            <a:off x="3048000" y="889844"/>
+            <a:ext cx="6096000" cy="5078313"/>
+          </a:xfrm>
+          <a:prstGeom prst="rect">
+            <a:avLst/>
+          </a:prstGeom>
+        </p:spPr>
+        <p:txBody>
+          <a:bodyPr>
+            <a:spAutoFit/>
+          </a:bodyPr>
+          <a:lstStyle/>
+          <a:p>
+            <a:r>
+              <a:rPr lang="en-US" dirty="0">
+                <a:latin typeface="Calibri" panose="020F0502020204030204" pitchFamily="34" charset="0"/>
+                <a:ea typeface="Calibri" panose="020F0502020204030204" pitchFamily="34" charset="0"/>
+                <a:cs typeface="Times New Roman" panose="02020603050405020304" pitchFamily="18" charset="0"/>
+              </a:rPr>
+              <a:t>The </a:t>
+            </a:r>
+            <a:r>
+              <a:rPr lang="en-US" dirty="0" err="1">
+                <a:latin typeface="Calibri" panose="020F0502020204030204" pitchFamily="34" charset="0"/>
+                <a:ea typeface="Calibri" panose="020F0502020204030204" pitchFamily="34" charset="0"/>
+                <a:cs typeface="Times New Roman" panose="02020603050405020304" pitchFamily="18" charset="0"/>
+              </a:rPr>
+              <a:t>PayTVPreProcessorVideo.lic</a:t>
+            </a:r>
+            <a:r>
+              <a:rPr lang="en-US" dirty="0">
+                <a:latin typeface="Calibri" panose="020F0502020204030204" pitchFamily="34" charset="0"/>
+                <a:ea typeface="Calibri" panose="020F0502020204030204" pitchFamily="34" charset="0"/>
+                <a:cs typeface="Times New Roman" panose="02020603050405020304" pitchFamily="18" charset="0"/>
+              </a:rPr>
+              <a:t> is the preprocessor's license file. It needs to be copied to, and installed on, the machine which acts as your license server. So you '</a:t>
+            </a:r>
+            <a:r>
+              <a:rPr lang="en-US" dirty="0" err="1">
+                <a:latin typeface="Calibri" panose="020F0502020204030204" pitchFamily="34" charset="0"/>
+                <a:ea typeface="Calibri" panose="020F0502020204030204" pitchFamily="34" charset="0"/>
+                <a:cs typeface="Times New Roman" panose="02020603050405020304" pitchFamily="18" charset="0"/>
+              </a:rPr>
+              <a:t>scp</a:t>
+            </a:r>
+            <a:r>
+              <a:rPr lang="en-US" dirty="0">
+                <a:latin typeface="Calibri" panose="020F0502020204030204" pitchFamily="34" charset="0"/>
+                <a:ea typeface="Calibri" panose="020F0502020204030204" pitchFamily="34" charset="0"/>
+                <a:cs typeface="Times New Roman" panose="02020603050405020304" pitchFamily="18" charset="0"/>
+              </a:rPr>
+              <a:t>' </a:t>
+            </a:r>
+            <a:r>
+              <a:rPr lang="en-US" dirty="0" err="1">
+                <a:latin typeface="Calibri" panose="020F0502020204030204" pitchFamily="34" charset="0"/>
+                <a:ea typeface="Calibri" panose="020F0502020204030204" pitchFamily="34" charset="0"/>
+                <a:cs typeface="Times New Roman" panose="02020603050405020304" pitchFamily="18" charset="0"/>
+              </a:rPr>
+              <a:t>PayTVPreProcessorVideo.lic</a:t>
+            </a:r>
+            <a:r>
+              <a:rPr lang="en-US" dirty="0">
+                <a:latin typeface="Calibri" panose="020F0502020204030204" pitchFamily="34" charset="0"/>
+                <a:ea typeface="Calibri" panose="020F0502020204030204" pitchFamily="34" charset="0"/>
+                <a:cs typeface="Times New Roman" panose="02020603050405020304" pitchFamily="18" charset="0"/>
+              </a:rPr>
+              <a:t> onto your license server and follow </a:t>
+            </a:r>
+            <a:r>
+              <a:rPr lang="en-US" dirty="0" err="1">
+                <a:latin typeface="Calibri" panose="020F0502020204030204" pitchFamily="34" charset="0"/>
+                <a:ea typeface="Calibri" panose="020F0502020204030204" pitchFamily="34" charset="0"/>
+                <a:cs typeface="Times New Roman" panose="02020603050405020304" pitchFamily="18" charset="0"/>
+              </a:rPr>
+              <a:t>nexguard's</a:t>
+            </a:r>
+            <a:r>
+              <a:rPr lang="en-US" dirty="0">
+                <a:latin typeface="Calibri" panose="020F0502020204030204" pitchFamily="34" charset="0"/>
+                <a:ea typeface="Calibri" panose="020F0502020204030204" pitchFamily="34" charset="0"/>
+                <a:cs typeface="Times New Roman" panose="02020603050405020304" pitchFamily="18" charset="0"/>
+              </a:rPr>
+              <a:t> install instructions on that VM, make sure the license server process is running, and that the UDP port is reachable from the kubernetes cluster. Then you note down the license server's IP address, because you need it in the next step: </a:t>
+            </a:r>
+          </a:p>
+          <a:p>
+            <a:r>
+              <a:rPr lang="en-US" dirty="0">
+                <a:latin typeface="Calibri" panose="020F0502020204030204" pitchFamily="34" charset="0"/>
+                <a:ea typeface="Calibri" panose="020F0502020204030204" pitchFamily="34" charset="0"/>
+                <a:cs typeface="Times New Roman" panose="02020603050405020304" pitchFamily="18" charset="0"/>
+              </a:rPr>
+              <a:t> </a:t>
+            </a:r>
+          </a:p>
+          <a:p>
+            <a:r>
+              <a:rPr lang="en-US" dirty="0">
+                <a:latin typeface="Calibri" panose="020F0502020204030204" pitchFamily="34" charset="0"/>
+                <a:ea typeface="Calibri" panose="020F0502020204030204" pitchFamily="34" charset="0"/>
+                <a:cs typeface="Times New Roman" panose="02020603050405020304" pitchFamily="18" charset="0"/>
+              </a:rPr>
+              <a:t>The IP address of the license server (where you previously installed the preprocessor license "</a:t>
+            </a:r>
+            <a:r>
+              <a:rPr lang="en-US" dirty="0" err="1">
+                <a:latin typeface="Calibri" panose="020F0502020204030204" pitchFamily="34" charset="0"/>
+                <a:ea typeface="Calibri" panose="020F0502020204030204" pitchFamily="34" charset="0"/>
+                <a:cs typeface="Times New Roman" panose="02020603050405020304" pitchFamily="18" charset="0"/>
+              </a:rPr>
+              <a:t>PayTVPreProcessorVideo.lic</a:t>
+            </a:r>
+            <a:r>
+              <a:rPr lang="en-US" dirty="0">
+                <a:latin typeface="Calibri" panose="020F0502020204030204" pitchFamily="34" charset="0"/>
+                <a:ea typeface="Calibri" panose="020F0502020204030204" pitchFamily="34" charset="0"/>
+                <a:cs typeface="Times New Roman" panose="02020603050405020304" pitchFamily="18" charset="0"/>
+              </a:rPr>
+              <a:t>"), the actual content of NGPTV_Preprocessor.xml  (which is the preprocessor's configuration), and the content of </a:t>
+            </a:r>
+            <a:r>
+              <a:rPr lang="en-US" dirty="0" err="1">
+                <a:latin typeface="Calibri" panose="020F0502020204030204" pitchFamily="34" charset="0"/>
+                <a:ea typeface="Calibri" panose="020F0502020204030204" pitchFamily="34" charset="0"/>
+                <a:cs typeface="Times New Roman" panose="02020603050405020304" pitchFamily="18" charset="0"/>
+              </a:rPr>
+              <a:t>NGStreamingSE.lic</a:t>
+            </a:r>
+            <a:r>
+              <a:rPr lang="en-US" dirty="0">
+                <a:latin typeface="Calibri" panose="020F0502020204030204" pitchFamily="34" charset="0"/>
+                <a:ea typeface="Calibri" panose="020F0502020204030204" pitchFamily="34" charset="0"/>
+                <a:cs typeface="Times New Roman" panose="02020603050405020304" pitchFamily="18" charset="0"/>
+              </a:rPr>
+              <a:t> (which is the embedder's license file), are then encoded in base64, wrapped in a JSON structure, and stored in a </a:t>
+            </a:r>
+            <a:r>
+              <a:rPr lang="en-US" dirty="0" err="1">
+                <a:latin typeface="Calibri" panose="020F0502020204030204" pitchFamily="34" charset="0"/>
+                <a:ea typeface="Calibri" panose="020F0502020204030204" pitchFamily="34" charset="0"/>
+                <a:cs typeface="Times New Roman" panose="02020603050405020304" pitchFamily="18" charset="0"/>
+              </a:rPr>
+              <a:t>lic.yaml</a:t>
+            </a:r>
+            <a:r>
+              <a:rPr lang="en-US">
+                <a:latin typeface="Calibri" panose="020F0502020204030204" pitchFamily="34" charset="0"/>
+                <a:ea typeface="Calibri" panose="020F0502020204030204" pitchFamily="34" charset="0"/>
+                <a:cs typeface="Times New Roman" panose="02020603050405020304" pitchFamily="18" charset="0"/>
+              </a:rPr>
+              <a:t>, which is then installed as a secret in the k8s cluster. </a:t>
+            </a:r>
+          </a:p>
+        </p:txBody>
+      </p:sp>
+    </p:spTree>
+    <p:extLst>
+      <p:ext uri="{BB962C8B-B14F-4D97-AF65-F5344CB8AC3E}">
+        <p14:creationId xmlns:p14="http://schemas.microsoft.com/office/powerpoint/2010/main" val="3745254728"/>
       </p:ext>
     </p:extLst>
   </p:cSld>
